--- a/COSAS SOBRE MI.pptx
+++ b/COSAS SOBRE MI.pptx
@@ -8,6 +8,8 @@
     <p:sldId id="256" r:id="rId2"/>
     <p:sldId id="257" r:id="rId3"/>
     <p:sldId id="258" r:id="rId4"/>
+    <p:sldId id="259" r:id="rId5"/>
+    <p:sldId id="260" r:id="rId6"/>
   </p:sldIdLst>
   <p:sldSz cx="12192000" cy="6858000"/>
   <p:notesSz cx="6858000" cy="9144000"/>
@@ -106,6 +108,11 @@
       </a:defRPr>
     </a:lvl9pPr>
   </p:defaultTextStyle>
+  <p:extLst>
+    <p:ext uri="{EFAFB233-063F-42B5-8137-9DF3F51BA10A}">
+      <p15:sldGuideLst xmlns:p15="http://schemas.microsoft.com/office/powerpoint/2012/main"/>
+    </p:ext>
+  </p:extLst>
 </p:presentation>
 </file>
 
@@ -248,7 +255,7 @@
           <a:p>
             <a:fld id="{8C01FF82-C410-4E58-9A49-9DC6817CF4D7}" type="datetimeFigureOut">
               <a:rPr lang="es-MX" smtClean="0"/>
-              <a:t>13/02/2025</a:t>
+              <a:t>18/02/2025</a:t>
             </a:fld>
             <a:endParaRPr lang="es-MX"/>
           </a:p>
@@ -459,7 +466,7 @@
           <a:p>
             <a:fld id="{8C01FF82-C410-4E58-9A49-9DC6817CF4D7}" type="datetimeFigureOut">
               <a:rPr lang="es-MX" smtClean="0"/>
-              <a:t>13/02/2025</a:t>
+              <a:t>18/02/2025</a:t>
             </a:fld>
             <a:endParaRPr lang="es-MX"/>
           </a:p>
@@ -674,7 +681,7 @@
           <a:p>
             <a:fld id="{8C01FF82-C410-4E58-9A49-9DC6817CF4D7}" type="datetimeFigureOut">
               <a:rPr lang="es-MX" smtClean="0"/>
-              <a:t>13/02/2025</a:t>
+              <a:t>18/02/2025</a:t>
             </a:fld>
             <a:endParaRPr lang="es-MX"/>
           </a:p>
@@ -875,7 +882,7 @@
           <a:p>
             <a:fld id="{8C01FF82-C410-4E58-9A49-9DC6817CF4D7}" type="datetimeFigureOut">
               <a:rPr lang="es-MX" smtClean="0"/>
-              <a:t>13/02/2025</a:t>
+              <a:t>18/02/2025</a:t>
             </a:fld>
             <a:endParaRPr lang="es-MX"/>
           </a:p>
@@ -1154,7 +1161,7 @@
           <a:p>
             <a:fld id="{8C01FF82-C410-4E58-9A49-9DC6817CF4D7}" type="datetimeFigureOut">
               <a:rPr lang="es-MX" smtClean="0"/>
-              <a:t>13/02/2025</a:t>
+              <a:t>18/02/2025</a:t>
             </a:fld>
             <a:endParaRPr lang="es-MX"/>
           </a:p>
@@ -1422,7 +1429,7 @@
           <a:p>
             <a:fld id="{8C01FF82-C410-4E58-9A49-9DC6817CF4D7}" type="datetimeFigureOut">
               <a:rPr lang="es-MX" smtClean="0"/>
-              <a:t>13/02/2025</a:t>
+              <a:t>18/02/2025</a:t>
             </a:fld>
             <a:endParaRPr lang="es-MX"/>
           </a:p>
@@ -1838,7 +1845,7 @@
           <a:p>
             <a:fld id="{8C01FF82-C410-4E58-9A49-9DC6817CF4D7}" type="datetimeFigureOut">
               <a:rPr lang="es-MX" smtClean="0"/>
-              <a:t>13/02/2025</a:t>
+              <a:t>18/02/2025</a:t>
             </a:fld>
             <a:endParaRPr lang="es-MX"/>
           </a:p>
@@ -1987,7 +1994,7 @@
           <a:p>
             <a:fld id="{8C01FF82-C410-4E58-9A49-9DC6817CF4D7}" type="datetimeFigureOut">
               <a:rPr lang="es-MX" smtClean="0"/>
-              <a:t>13/02/2025</a:t>
+              <a:t>18/02/2025</a:t>
             </a:fld>
             <a:endParaRPr lang="es-MX"/>
           </a:p>
@@ -2113,7 +2120,7 @@
           <a:p>
             <a:fld id="{8C01FF82-C410-4E58-9A49-9DC6817CF4D7}" type="datetimeFigureOut">
               <a:rPr lang="es-MX" smtClean="0"/>
-              <a:t>13/02/2025</a:t>
+              <a:t>18/02/2025</a:t>
             </a:fld>
             <a:endParaRPr lang="es-MX"/>
           </a:p>
@@ -2364,7 +2371,7 @@
           <a:p>
             <a:fld id="{8C01FF82-C410-4E58-9A49-9DC6817CF4D7}" type="datetimeFigureOut">
               <a:rPr lang="es-MX" smtClean="0"/>
-              <a:t>13/02/2025</a:t>
+              <a:t>18/02/2025</a:t>
             </a:fld>
             <a:endParaRPr lang="es-MX"/>
           </a:p>
@@ -2809,7 +2816,7 @@
           <a:p>
             <a:fld id="{8C01FF82-C410-4E58-9A49-9DC6817CF4D7}" type="datetimeFigureOut">
               <a:rPr lang="es-MX" smtClean="0"/>
-              <a:t>13/02/2025</a:t>
+              <a:t>18/02/2025</a:t>
             </a:fld>
             <a:endParaRPr lang="es-MX"/>
           </a:p>
@@ -3135,7 +3142,7 @@
           <a:p>
             <a:fld id="{8C01FF82-C410-4E58-9A49-9DC6817CF4D7}" type="datetimeFigureOut">
               <a:rPr lang="es-MX" smtClean="0"/>
-              <a:t>13/02/2025</a:t>
+              <a:t>18/02/2025</a:t>
             </a:fld>
             <a:endParaRPr lang="es-MX"/>
           </a:p>
@@ -3793,7 +3800,7 @@
           <a:lstStyle/>
           <a:p>
             <a:r>
-              <a:rPr lang="es-MX" dirty="0" smtClean="0"/>
+              <a:rPr lang="es-MX" smtClean="0"/>
               <a:t>Mis hobbies</a:t>
             </a:r>
             <a:endParaRPr lang="es-MX" dirty="0"/>
@@ -3853,36 +3860,466 @@
               <a:t>Mis video juegos favoritos son los juegos de las franquicias de Persona y </a:t>
             </a:r>
             <a:r>
-              <a:rPr lang="es-MX" smtClean="0"/>
+              <a:rPr lang="es-MX" dirty="0" err="1" smtClean="0"/>
               <a:t>Zelda</a:t>
             </a:r>
             <a:endParaRPr lang="es-MX" dirty="0"/>
           </a:p>
         </p:txBody>
       </p:sp>
-      <p:sp>
-        <p:nvSpPr>
-          <p:cNvPr id="5" name="Marcador de contenido 4"/>
-          <p:cNvSpPr>
-            <a:spLocks noGrp="1"/>
-          </p:cNvSpPr>
+      <p:pic>
+        <p:nvPicPr>
+          <p:cNvPr id="6" name="Marcador de contenido 5"/>
+          <p:cNvPicPr>
+            <a:picLocks noGrp="1" noChangeAspect="1"/>
+          </p:cNvPicPr>
           <p:nvPr>
             <p:ph sz="half" idx="2"/>
           </p:nvPr>
-        </p:nvSpPr>
-        <p:spPr/>
-        <p:txBody>
-          <a:bodyPr/>
-          <a:lstStyle/>
-          <a:p>
-            <a:endParaRPr lang="es-MX"/>
-          </a:p>
-        </p:txBody>
-      </p:sp>
+        </p:nvPicPr>
+        <p:blipFill>
+          <a:blip r:embed="rId2"/>
+          <a:stretch>
+            <a:fillRect/>
+          </a:stretch>
+        </p:blipFill>
+        <p:spPr>
+          <a:xfrm>
+            <a:off x="6376262" y="2134975"/>
+            <a:ext cx="2857500" cy="1600200"/>
+          </a:xfrm>
+        </p:spPr>
+      </p:pic>
+      <p:pic>
+        <p:nvPicPr>
+          <p:cNvPr id="10" name="Imagen 9"/>
+          <p:cNvPicPr>
+            <a:picLocks noChangeAspect="1"/>
+          </p:cNvPicPr>
+          <p:nvPr/>
+        </p:nvPicPr>
+        <p:blipFill>
+          <a:blip r:embed="rId3"/>
+          <a:stretch>
+            <a:fillRect/>
+          </a:stretch>
+        </p:blipFill>
+        <p:spPr>
+          <a:xfrm>
+            <a:off x="8661181" y="4152900"/>
+            <a:ext cx="2857500" cy="1600200"/>
+          </a:xfrm>
+          <a:prstGeom prst="rect">
+            <a:avLst/>
+          </a:prstGeom>
+        </p:spPr>
+      </p:pic>
     </p:spTree>
     <p:extLst>
       <p:ext uri="{BB962C8B-B14F-4D97-AF65-F5344CB8AC3E}">
         <p14:creationId xmlns:p14="http://schemas.microsoft.com/office/powerpoint/2010/main" val="3486740128"/>
+      </p:ext>
+    </p:extLst>
+  </p:cSld>
+  <p:clrMapOvr>
+    <a:masterClrMapping/>
+  </p:clrMapOvr>
+</p:sld>
+</file>
+
+<file path=ppt/slides/slide4.xml><?xml version="1.0" encoding="utf-8"?>
+<p:sld xmlns:a="http://schemas.openxmlformats.org/drawingml/2006/main" xmlns:r="http://schemas.openxmlformats.org/officeDocument/2006/relationships" xmlns:p="http://schemas.openxmlformats.org/presentationml/2006/main">
+  <p:cSld>
+    <p:spTree>
+      <p:nvGrpSpPr>
+        <p:cNvPr id="1" name=""/>
+        <p:cNvGrpSpPr/>
+        <p:nvPr/>
+      </p:nvGrpSpPr>
+      <p:grpSpPr>
+        <a:xfrm>
+          <a:off x="0" y="0"/>
+          <a:ext cx="0" cy="0"/>
+          <a:chOff x="0" y="0"/>
+          <a:chExt cx="0" cy="0"/>
+        </a:xfrm>
+      </p:grpSpPr>
+      <p:sp>
+        <p:nvSpPr>
+          <p:cNvPr id="5" name="Título 4"/>
+          <p:cNvSpPr>
+            <a:spLocks noGrp="1"/>
+          </p:cNvSpPr>
+          <p:nvPr>
+            <p:ph type="title"/>
+          </p:nvPr>
+        </p:nvSpPr>
+        <p:spPr/>
+        <p:txBody>
+          <a:bodyPr/>
+          <a:lstStyle/>
+          <a:p>
+            <a:r>
+              <a:rPr lang="es-MX" dirty="0" err="1" smtClean="0"/>
+              <a:t>Musica</a:t>
+            </a:r>
+            <a:r>
+              <a:rPr lang="es-MX" dirty="0" smtClean="0"/>
+              <a:t> Favorita</a:t>
+            </a:r>
+            <a:endParaRPr lang="es-MX" dirty="0"/>
+          </a:p>
+        </p:txBody>
+      </p:sp>
+      <p:sp>
+        <p:nvSpPr>
+          <p:cNvPr id="6" name="Marcador de contenido 5"/>
+          <p:cNvSpPr>
+            <a:spLocks noGrp="1"/>
+          </p:cNvSpPr>
+          <p:nvPr>
+            <p:ph sz="half" idx="1"/>
+          </p:nvPr>
+        </p:nvSpPr>
+        <p:spPr>
+          <a:xfrm>
+            <a:off x="1447331" y="2010878"/>
+            <a:ext cx="2178738" cy="3286335"/>
+          </a:xfrm>
+        </p:spPr>
+        <p:txBody>
+          <a:bodyPr>
+            <a:normAutofit/>
+          </a:bodyPr>
+          <a:lstStyle/>
+          <a:p>
+            <a:pPr marL="0" indent="0">
+              <a:buNone/>
+            </a:pPr>
+            <a:r>
+              <a:rPr lang="es-MX" dirty="0" smtClean="0"/>
+              <a:t>Me gustan varios </a:t>
+            </a:r>
+            <a:r>
+              <a:rPr lang="es-MX" dirty="0" err="1" smtClean="0"/>
+              <a:t>generos</a:t>
+            </a:r>
+            <a:r>
+              <a:rPr lang="es-MX" dirty="0" smtClean="0"/>
+              <a:t>, entre ellos el rock, como </a:t>
+            </a:r>
+            <a:r>
+              <a:rPr lang="es-MX" dirty="0" err="1" smtClean="0"/>
+              <a:t>ska,punk</a:t>
+            </a:r>
+            <a:r>
+              <a:rPr lang="es-MX" dirty="0" smtClean="0"/>
+              <a:t> y heavy, </a:t>
+            </a:r>
+            <a:r>
+              <a:rPr lang="es-MX" dirty="0" err="1" smtClean="0"/>
+              <a:t>jrock</a:t>
+            </a:r>
+            <a:r>
+              <a:rPr lang="es-MX" dirty="0" smtClean="0"/>
+              <a:t>, </a:t>
+            </a:r>
+            <a:r>
+              <a:rPr lang="es-MX" dirty="0" err="1" smtClean="0"/>
+              <a:t>jpop</a:t>
+            </a:r>
+            <a:r>
+              <a:rPr lang="es-MX" dirty="0" smtClean="0"/>
+              <a:t> y pop en general</a:t>
+            </a:r>
+          </a:p>
+          <a:p>
+            <a:pPr marL="0" indent="0">
+              <a:buNone/>
+            </a:pPr>
+            <a:endParaRPr lang="es-MX" dirty="0"/>
+          </a:p>
+        </p:txBody>
+      </p:sp>
+      <p:pic>
+        <p:nvPicPr>
+          <p:cNvPr id="8" name="Marcador de contenido 7"/>
+          <p:cNvPicPr>
+            <a:picLocks noGrp="1" noChangeAspect="1"/>
+          </p:cNvPicPr>
+          <p:nvPr>
+            <p:ph sz="half" idx="2"/>
+          </p:nvPr>
+        </p:nvPicPr>
+        <p:blipFill>
+          <a:blip r:embed="rId2"/>
+          <a:stretch>
+            <a:fillRect/>
+          </a:stretch>
+        </p:blipFill>
+        <p:spPr>
+          <a:xfrm>
+            <a:off x="4831803" y="2434131"/>
+            <a:ext cx="2676525" cy="1704975"/>
+          </a:xfrm>
+          <a:prstGeom prst="rect">
+            <a:avLst/>
+          </a:prstGeom>
+        </p:spPr>
+      </p:pic>
+      <p:pic>
+        <p:nvPicPr>
+          <p:cNvPr id="9" name="Imagen 8"/>
+          <p:cNvPicPr>
+            <a:picLocks noChangeAspect="1"/>
+          </p:cNvPicPr>
+          <p:nvPr/>
+        </p:nvPicPr>
+        <p:blipFill>
+          <a:blip r:embed="rId3"/>
+          <a:stretch>
+            <a:fillRect/>
+          </a:stretch>
+        </p:blipFill>
+        <p:spPr>
+          <a:xfrm>
+            <a:off x="7017133" y="4595566"/>
+            <a:ext cx="2466975" cy="1847850"/>
+          </a:xfrm>
+          <a:prstGeom prst="rect">
+            <a:avLst/>
+          </a:prstGeom>
+        </p:spPr>
+      </p:pic>
+      <p:sp>
+        <p:nvSpPr>
+          <p:cNvPr id="10" name="AutoShape 2" descr="SYMPHONY X: Albums Ranked - The Dark Melody"/>
+          <p:cNvSpPr>
+            <a:spLocks noChangeAspect="1" noChangeArrowheads="1"/>
+          </p:cNvSpPr>
+          <p:nvPr/>
+        </p:nvSpPr>
+        <p:spPr bwMode="auto">
+          <a:xfrm>
+            <a:off x="155575" y="-144463"/>
+            <a:ext cx="304800" cy="304801"/>
+          </a:xfrm>
+          <a:prstGeom prst="rect">
+            <a:avLst/>
+          </a:prstGeom>
+          <a:noFill/>
+          <a:extLst>
+            <a:ext uri="{909E8E84-426E-40DD-AFC4-6F175D3DCCD1}">
+              <a14:hiddenFill xmlns:a14="http://schemas.microsoft.com/office/drawing/2010/main">
+                <a:solidFill>
+                  <a:srgbClr val="FFFFFF"/>
+                </a:solidFill>
+              </a14:hiddenFill>
+            </a:ext>
+          </a:extLst>
+        </p:spPr>
+        <p:txBody>
+          <a:bodyPr vert="horz" wrap="square" lIns="91440" tIns="45720" rIns="91440" bIns="45720" numCol="1" anchor="t" anchorCtr="0" compatLnSpc="1">
+            <a:prstTxWarp prst="textNoShape">
+              <a:avLst/>
+            </a:prstTxWarp>
+          </a:bodyPr>
+          <a:lstStyle/>
+          <a:p>
+            <a:endParaRPr lang="es-MX"/>
+          </a:p>
+        </p:txBody>
+      </p:sp>
+      <p:pic>
+        <p:nvPicPr>
+          <p:cNvPr id="11" name="Imagen 10"/>
+          <p:cNvPicPr>
+            <a:picLocks noChangeAspect="1"/>
+          </p:cNvPicPr>
+          <p:nvPr/>
+        </p:nvPicPr>
+        <p:blipFill>
+          <a:blip r:embed="rId4"/>
+          <a:stretch>
+            <a:fillRect/>
+          </a:stretch>
+        </p:blipFill>
+        <p:spPr>
+          <a:xfrm>
+            <a:off x="7788659" y="2269990"/>
+            <a:ext cx="2143125" cy="2143125"/>
+          </a:xfrm>
+          <a:prstGeom prst="rect">
+            <a:avLst/>
+          </a:prstGeom>
+        </p:spPr>
+      </p:pic>
+      <p:pic>
+        <p:nvPicPr>
+          <p:cNvPr id="12" name="Imagen 11"/>
+          <p:cNvPicPr>
+            <a:picLocks noChangeAspect="1"/>
+          </p:cNvPicPr>
+          <p:nvPr/>
+        </p:nvPicPr>
+        <p:blipFill>
+          <a:blip r:embed="rId5"/>
+          <a:stretch>
+            <a:fillRect/>
+          </a:stretch>
+        </p:blipFill>
+        <p:spPr>
+          <a:xfrm>
+            <a:off x="4831803" y="4575120"/>
+            <a:ext cx="1888743" cy="1888743"/>
+          </a:xfrm>
+          <a:prstGeom prst="rect">
+            <a:avLst/>
+          </a:prstGeom>
+        </p:spPr>
+      </p:pic>
+    </p:spTree>
+    <p:extLst>
+      <p:ext uri="{BB962C8B-B14F-4D97-AF65-F5344CB8AC3E}">
+        <p14:creationId xmlns:p14="http://schemas.microsoft.com/office/powerpoint/2010/main" val="4281101869"/>
+      </p:ext>
+    </p:extLst>
+  </p:cSld>
+  <p:clrMapOvr>
+    <a:masterClrMapping/>
+  </p:clrMapOvr>
+</p:sld>
+</file>
+
+<file path=ppt/slides/slide5.xml><?xml version="1.0" encoding="utf-8"?>
+<p:sld xmlns:a="http://schemas.openxmlformats.org/drawingml/2006/main" xmlns:r="http://schemas.openxmlformats.org/officeDocument/2006/relationships" xmlns:p="http://schemas.openxmlformats.org/presentationml/2006/main">
+  <p:cSld>
+    <p:spTree>
+      <p:nvGrpSpPr>
+        <p:cNvPr id="1" name=""/>
+        <p:cNvGrpSpPr/>
+        <p:nvPr/>
+      </p:nvGrpSpPr>
+      <p:grpSpPr>
+        <a:xfrm>
+          <a:off x="0" y="0"/>
+          <a:ext cx="0" cy="0"/>
+          <a:chOff x="0" y="0"/>
+          <a:chExt cx="0" cy="0"/>
+        </a:xfrm>
+      </p:grpSpPr>
+      <p:sp>
+        <p:nvSpPr>
+          <p:cNvPr id="2" name="Título 1"/>
+          <p:cNvSpPr>
+            <a:spLocks noGrp="1"/>
+          </p:cNvSpPr>
+          <p:nvPr>
+            <p:ph type="title"/>
+          </p:nvPr>
+        </p:nvSpPr>
+        <p:spPr>
+          <a:xfrm>
+            <a:off x="1449217" y="958038"/>
+            <a:ext cx="9605635" cy="1059305"/>
+          </a:xfrm>
+        </p:spPr>
+        <p:txBody>
+          <a:bodyPr/>
+          <a:lstStyle/>
+          <a:p>
+            <a:endParaRPr lang="es-MX" dirty="0"/>
+          </a:p>
+        </p:txBody>
+      </p:sp>
+      <p:sp>
+        <p:nvSpPr>
+          <p:cNvPr id="3" name="Marcador de contenido 2"/>
+          <p:cNvSpPr>
+            <a:spLocks noGrp="1"/>
+          </p:cNvSpPr>
+          <p:nvPr>
+            <p:ph sz="half" idx="1"/>
+          </p:nvPr>
+        </p:nvSpPr>
+        <p:spPr>
+          <a:xfrm>
+            <a:off x="1449217" y="2017343"/>
+            <a:ext cx="2712880" cy="3448595"/>
+          </a:xfrm>
+        </p:spPr>
+        <p:txBody>
+          <a:bodyPr>
+            <a:normAutofit lnSpcReduction="10000"/>
+          </a:bodyPr>
+          <a:lstStyle/>
+          <a:p>
+            <a:r>
+              <a:rPr lang="es-MX" dirty="0" err="1" smtClean="0"/>
+              <a:t>Tambien</a:t>
+            </a:r>
+            <a:r>
+              <a:rPr lang="es-MX" dirty="0" smtClean="0"/>
+              <a:t> toco el bajo y la guitarra, llevo varios meses practicando y aprendiendo, pero ahora ya puedo tocar con mas fluidez y aprender mas canciones</a:t>
+            </a:r>
+            <a:endParaRPr lang="es-MX" dirty="0"/>
+          </a:p>
+        </p:txBody>
+      </p:sp>
+      <p:pic>
+        <p:nvPicPr>
+          <p:cNvPr id="5" name="Marcador de contenido 4"/>
+          <p:cNvPicPr>
+            <a:picLocks noGrp="1" noChangeAspect="1"/>
+          </p:cNvPicPr>
+          <p:nvPr>
+            <p:ph sz="half" idx="2"/>
+          </p:nvPr>
+        </p:nvPicPr>
+        <p:blipFill>
+          <a:blip r:embed="rId2"/>
+          <a:stretch>
+            <a:fillRect/>
+          </a:stretch>
+        </p:blipFill>
+        <p:spPr>
+          <a:xfrm>
+            <a:off x="5502986" y="2394224"/>
+            <a:ext cx="2466975" cy="1847850"/>
+          </a:xfrm>
+          <a:prstGeom prst="rect">
+            <a:avLst/>
+          </a:prstGeom>
+        </p:spPr>
+      </p:pic>
+      <p:pic>
+        <p:nvPicPr>
+          <p:cNvPr id="6" name="Imagen 5"/>
+          <p:cNvPicPr>
+            <a:picLocks noChangeAspect="1"/>
+          </p:cNvPicPr>
+          <p:nvPr/>
+        </p:nvPicPr>
+        <p:blipFill>
+          <a:blip r:embed="rId3"/>
+          <a:stretch>
+            <a:fillRect/>
+          </a:stretch>
+        </p:blipFill>
+        <p:spPr>
+          <a:xfrm>
+            <a:off x="8450809" y="2775180"/>
+            <a:ext cx="2143125" cy="2143125"/>
+          </a:xfrm>
+          <a:prstGeom prst="rect">
+            <a:avLst/>
+          </a:prstGeom>
+        </p:spPr>
+      </p:pic>
+    </p:spTree>
+    <p:extLst>
+      <p:ext uri="{BB962C8B-B14F-4D97-AF65-F5344CB8AC3E}">
+        <p14:creationId xmlns:p14="http://schemas.microsoft.com/office/powerpoint/2010/main" val="3575400736"/>
       </p:ext>
     </p:extLst>
   </p:cSld>
